--- a/jpa-example/Sharing (JPA).pptx
+++ b/jpa-example/Sharing (JPA).pptx
@@ -4308,7 +4308,7 @@
           <a:noFill/>
           <a:extLst>
             <a:ext uri="{909E8E84-426E-40dd-AFC4-6F175D3DCCD1}">
-              <a14:hiddenFill xmlns="" xmlns:a14="http://schemas.microsoft.com/office/drawing/2010/main">
+              <a14:hiddenFill xmlns:a14="http://schemas.microsoft.com/office/drawing/2010/main" xmlns="">
                 <a:solidFill>
                   <a:srgbClr val="FFFFFF"/>
                 </a:solidFill>
@@ -4368,7 +4368,7 @@
             </a:ln>
             <a:extLst>
               <a:ext uri="{91240B29-F687-4f45-9708-019B960494DF}">
-                <a14:hiddenLine xmlns="" xmlns:a14="http://schemas.microsoft.com/office/drawing/2010/main" w="9525">
+                <a14:hiddenLine xmlns:a14="http://schemas.microsoft.com/office/drawing/2010/main" xmlns="" w="9525">
                   <a:solidFill>
                     <a:srgbClr val="000000"/>
                   </a:solidFill>
@@ -4458,7 +4458,7 @@
             </a:ln>
             <a:extLst>
               <a:ext uri="{91240B29-F687-4f45-9708-019B960494DF}">
-                <a14:hiddenLine xmlns="" xmlns:a14="http://schemas.microsoft.com/office/drawing/2010/main" w="9525">
+                <a14:hiddenLine xmlns:a14="http://schemas.microsoft.com/office/drawing/2010/main" xmlns="" w="9525">
                   <a:solidFill>
                     <a:srgbClr val="000000"/>
                   </a:solidFill>
@@ -4548,7 +4548,7 @@
             </a:ln>
             <a:extLst>
               <a:ext uri="{91240B29-F687-4f45-9708-019B960494DF}">
-                <a14:hiddenLine xmlns="" xmlns:a14="http://schemas.microsoft.com/office/drawing/2010/main" w="9525">
+                <a14:hiddenLine xmlns:a14="http://schemas.microsoft.com/office/drawing/2010/main" xmlns="" w="9525">
                   <a:solidFill>
                     <a:srgbClr val="000000"/>
                   </a:solidFill>
@@ -4582,7 +4582,7 @@
             </a:ln>
             <a:extLst>
               <a:ext uri="{91240B29-F687-4f45-9708-019B960494DF}">
-                <a14:hiddenLine xmlns="" xmlns:a14="http://schemas.microsoft.com/office/drawing/2010/main" w="9525">
+                <a14:hiddenLine xmlns:a14="http://schemas.microsoft.com/office/drawing/2010/main" xmlns="" w="9525">
                   <a:solidFill>
                     <a:srgbClr val="000000"/>
                   </a:solidFill>
@@ -4672,7 +4672,7 @@
             </a:ln>
             <a:extLst>
               <a:ext uri="{91240B29-F687-4f45-9708-019B960494DF}">
-                <a14:hiddenLine xmlns="" xmlns:a14="http://schemas.microsoft.com/office/drawing/2010/main" w="9525">
+                <a14:hiddenLine xmlns:a14="http://schemas.microsoft.com/office/drawing/2010/main" xmlns="" w="9525">
                   <a:solidFill>
                     <a:srgbClr val="000000"/>
                   </a:solidFill>
@@ -4734,7 +4734,7 @@
             </a:ln>
             <a:extLst>
               <a:ext uri="{91240B29-F687-4f45-9708-019B960494DF}">
-                <a14:hiddenLine xmlns="" xmlns:a14="http://schemas.microsoft.com/office/drawing/2010/main" w="9525">
+                <a14:hiddenLine xmlns:a14="http://schemas.microsoft.com/office/drawing/2010/main" xmlns="" w="9525">
                   <a:solidFill>
                     <a:srgbClr val="000000"/>
                   </a:solidFill>
@@ -4796,7 +4796,7 @@
             </a:ln>
             <a:extLst>
               <a:ext uri="{91240B29-F687-4f45-9708-019B960494DF}">
-                <a14:hiddenLine xmlns="" xmlns:a14="http://schemas.microsoft.com/office/drawing/2010/main" w="9525">
+                <a14:hiddenLine xmlns:a14="http://schemas.microsoft.com/office/drawing/2010/main" xmlns="" w="9525">
                   <a:solidFill>
                     <a:srgbClr val="000000"/>
                   </a:solidFill>
@@ -4886,7 +4886,7 @@
             </a:ln>
             <a:extLst>
               <a:ext uri="{91240B29-F687-4f45-9708-019B960494DF}">
-                <a14:hiddenLine xmlns="" xmlns:a14="http://schemas.microsoft.com/office/drawing/2010/main" w="9525">
+                <a14:hiddenLine xmlns:a14="http://schemas.microsoft.com/office/drawing/2010/main" xmlns="" w="9525">
                   <a:solidFill>
                     <a:srgbClr val="000000"/>
                   </a:solidFill>
@@ -4948,7 +4948,7 @@
             </a:ln>
             <a:extLst>
               <a:ext uri="{91240B29-F687-4f45-9708-019B960494DF}">
-                <a14:hiddenLine xmlns="" xmlns:a14="http://schemas.microsoft.com/office/drawing/2010/main" w="9525">
+                <a14:hiddenLine xmlns:a14="http://schemas.microsoft.com/office/drawing/2010/main" xmlns="" w="9525">
                   <a:solidFill>
                     <a:srgbClr val="000000"/>
                   </a:solidFill>
@@ -5010,7 +5010,7 @@
             </a:ln>
             <a:extLst>
               <a:ext uri="{91240B29-F687-4f45-9708-019B960494DF}">
-                <a14:hiddenLine xmlns="" xmlns:a14="http://schemas.microsoft.com/office/drawing/2010/main" w="9525">
+                <a14:hiddenLine xmlns:a14="http://schemas.microsoft.com/office/drawing/2010/main" xmlns="" w="9525">
                   <a:solidFill>
                     <a:srgbClr val="000000"/>
                   </a:solidFill>
@@ -5100,7 +5100,7 @@
             </a:ln>
             <a:extLst>
               <a:ext uri="{91240B29-F687-4f45-9708-019B960494DF}">
-                <a14:hiddenLine xmlns="" xmlns:a14="http://schemas.microsoft.com/office/drawing/2010/main" w="9525">
+                <a14:hiddenLine xmlns:a14="http://schemas.microsoft.com/office/drawing/2010/main" xmlns="" w="9525">
                   <a:solidFill>
                     <a:srgbClr val="000000"/>
                   </a:solidFill>
@@ -5190,7 +5190,7 @@
             </a:ln>
             <a:extLst>
               <a:ext uri="{91240B29-F687-4f45-9708-019B960494DF}">
-                <a14:hiddenLine xmlns="" xmlns:a14="http://schemas.microsoft.com/office/drawing/2010/main" w="9525">
+                <a14:hiddenLine xmlns:a14="http://schemas.microsoft.com/office/drawing/2010/main" xmlns="" w="9525">
                   <a:solidFill>
                     <a:srgbClr val="000000"/>
                   </a:solidFill>
@@ -5252,7 +5252,7 @@
             </a:ln>
             <a:extLst>
               <a:ext uri="{91240B29-F687-4f45-9708-019B960494DF}">
-                <a14:hiddenLine xmlns="" xmlns:a14="http://schemas.microsoft.com/office/drawing/2010/main" w="9525">
+                <a14:hiddenLine xmlns:a14="http://schemas.microsoft.com/office/drawing/2010/main" xmlns="" w="9525">
                   <a:solidFill>
                     <a:srgbClr val="000000"/>
                   </a:solidFill>
@@ -5362,7 +5362,7 @@
             </a:ln>
             <a:extLst>
               <a:ext uri="{91240B29-F687-4f45-9708-019B960494DF}">
-                <a14:hiddenLine xmlns="" xmlns:a14="http://schemas.microsoft.com/office/drawing/2010/main" w="9525">
+                <a14:hiddenLine xmlns:a14="http://schemas.microsoft.com/office/drawing/2010/main" xmlns="" w="9525">
                   <a:solidFill>
                     <a:srgbClr val="000000"/>
                   </a:solidFill>
@@ -5424,7 +5424,7 @@
             </a:ln>
             <a:extLst>
               <a:ext uri="{91240B29-F687-4f45-9708-019B960494DF}">
-                <a14:hiddenLine xmlns="" xmlns:a14="http://schemas.microsoft.com/office/drawing/2010/main" w="9525">
+                <a14:hiddenLine xmlns:a14="http://schemas.microsoft.com/office/drawing/2010/main" xmlns="" w="9525">
                   <a:solidFill>
                     <a:srgbClr val="000000"/>
                   </a:solidFill>
@@ -5514,7 +5514,7 @@
             </a:ln>
             <a:extLst>
               <a:ext uri="{91240B29-F687-4f45-9708-019B960494DF}">
-                <a14:hiddenLine xmlns="" xmlns:a14="http://schemas.microsoft.com/office/drawing/2010/main" w="9525">
+                <a14:hiddenLine xmlns:a14="http://schemas.microsoft.com/office/drawing/2010/main" xmlns="" w="9525">
                   <a:solidFill>
                     <a:srgbClr val="000000"/>
                   </a:solidFill>
@@ -5604,7 +5604,7 @@
             </a:ln>
             <a:extLst>
               <a:ext uri="{91240B29-F687-4f45-9708-019B960494DF}">
-                <a14:hiddenLine xmlns="" xmlns:a14="http://schemas.microsoft.com/office/drawing/2010/main" w="9525">
+                <a14:hiddenLine xmlns:a14="http://schemas.microsoft.com/office/drawing/2010/main" xmlns="" w="9525">
                   <a:solidFill>
                     <a:srgbClr val="000000"/>
                   </a:solidFill>
@@ -5666,7 +5666,7 @@
             </a:ln>
             <a:extLst>
               <a:ext uri="{91240B29-F687-4f45-9708-019B960494DF}">
-                <a14:hiddenLine xmlns="" xmlns:a14="http://schemas.microsoft.com/office/drawing/2010/main" w="9525">
+                <a14:hiddenLine xmlns:a14="http://schemas.microsoft.com/office/drawing/2010/main" xmlns="" w="9525">
                   <a:solidFill>
                     <a:srgbClr val="000000"/>
                   </a:solidFill>
@@ -5756,7 +5756,7 @@
             </a:ln>
             <a:extLst>
               <a:ext uri="{91240B29-F687-4f45-9708-019B960494DF}">
-                <a14:hiddenLine xmlns="" xmlns:a14="http://schemas.microsoft.com/office/drawing/2010/main" w="9525">
+                <a14:hiddenLine xmlns:a14="http://schemas.microsoft.com/office/drawing/2010/main" xmlns="" w="9525">
                   <a:solidFill>
                     <a:srgbClr val="000000"/>
                   </a:solidFill>
@@ -5846,7 +5846,7 @@
             </a:ln>
             <a:extLst>
               <a:ext uri="{91240B29-F687-4f45-9708-019B960494DF}">
-                <a14:hiddenLine xmlns="" xmlns:a14="http://schemas.microsoft.com/office/drawing/2010/main" w="9525">
+                <a14:hiddenLine xmlns:a14="http://schemas.microsoft.com/office/drawing/2010/main" xmlns="" w="9525">
                   <a:solidFill>
                     <a:srgbClr val="000000"/>
                   </a:solidFill>
@@ -5902,7 +5902,7 @@
             </a:ln>
             <a:extLst>
               <a:ext uri="{91240B29-F687-4f45-9708-019B960494DF}">
-                <a14:hiddenLine xmlns="" xmlns:a14="http://schemas.microsoft.com/office/drawing/2010/main" w="9525">
+                <a14:hiddenLine xmlns:a14="http://schemas.microsoft.com/office/drawing/2010/main" xmlns="" w="9525">
                   <a:solidFill>
                     <a:srgbClr val="000000"/>
                   </a:solidFill>
@@ -5992,7 +5992,7 @@
             </a:ln>
             <a:extLst>
               <a:ext uri="{91240B29-F687-4f45-9708-019B960494DF}">
-                <a14:hiddenLine xmlns="" xmlns:a14="http://schemas.microsoft.com/office/drawing/2010/main" w="9525">
+                <a14:hiddenLine xmlns:a14="http://schemas.microsoft.com/office/drawing/2010/main" xmlns="" w="9525">
                   <a:solidFill>
                     <a:srgbClr val="000000"/>
                   </a:solidFill>
@@ -6048,7 +6048,7 @@
             </a:ln>
             <a:extLst>
               <a:ext uri="{91240B29-F687-4f45-9708-019B960494DF}">
-                <a14:hiddenLine xmlns="" xmlns:a14="http://schemas.microsoft.com/office/drawing/2010/main" w="9525">
+                <a14:hiddenLine xmlns:a14="http://schemas.microsoft.com/office/drawing/2010/main" xmlns="" w="9525">
                   <a:solidFill>
                     <a:srgbClr val="000000"/>
                   </a:solidFill>
@@ -6138,7 +6138,7 @@
             </a:ln>
             <a:extLst>
               <a:ext uri="{91240B29-F687-4f45-9708-019B960494DF}">
-                <a14:hiddenLine xmlns="" xmlns:a14="http://schemas.microsoft.com/office/drawing/2010/main" w="9525">
+                <a14:hiddenLine xmlns:a14="http://schemas.microsoft.com/office/drawing/2010/main" xmlns="" w="9525">
                   <a:solidFill>
                     <a:srgbClr val="000000"/>
                   </a:solidFill>
@@ -6206,7 +6206,7 @@
             </a:ln>
             <a:extLst>
               <a:ext uri="{91240B29-F687-4f45-9708-019B960494DF}">
-                <a14:hiddenLine xmlns="" xmlns:a14="http://schemas.microsoft.com/office/drawing/2010/main" w="9525">
+                <a14:hiddenLine xmlns:a14="http://schemas.microsoft.com/office/drawing/2010/main" xmlns="" w="9525">
                   <a:solidFill>
                     <a:srgbClr val="000000"/>
                   </a:solidFill>
@@ -6296,7 +6296,7 @@
             </a:ln>
             <a:extLst>
               <a:ext uri="{91240B29-F687-4f45-9708-019B960494DF}">
-                <a14:hiddenLine xmlns="" xmlns:a14="http://schemas.microsoft.com/office/drawing/2010/main" w="9525">
+                <a14:hiddenLine xmlns:a14="http://schemas.microsoft.com/office/drawing/2010/main" xmlns="" w="9525">
                   <a:solidFill>
                     <a:srgbClr val="000000"/>
                   </a:solidFill>
@@ -6364,7 +6364,7 @@
             </a:ln>
             <a:extLst>
               <a:ext uri="{91240B29-F687-4f45-9708-019B960494DF}">
-                <a14:hiddenLine xmlns="" xmlns:a14="http://schemas.microsoft.com/office/drawing/2010/main" w="9525">
+                <a14:hiddenLine xmlns:a14="http://schemas.microsoft.com/office/drawing/2010/main" xmlns="" w="9525">
                   <a:solidFill>
                     <a:srgbClr val="000000"/>
                   </a:solidFill>
@@ -6454,7 +6454,7 @@
             </a:ln>
             <a:extLst>
               <a:ext uri="{91240B29-F687-4f45-9708-019B960494DF}">
-                <a14:hiddenLine xmlns="" xmlns:a14="http://schemas.microsoft.com/office/drawing/2010/main" w="9525">
+                <a14:hiddenLine xmlns:a14="http://schemas.microsoft.com/office/drawing/2010/main" xmlns="" w="9525">
                   <a:solidFill>
                     <a:srgbClr val="000000"/>
                   </a:solidFill>
@@ -6488,7 +6488,7 @@
             </a:ln>
             <a:extLst>
               <a:ext uri="{91240B29-F687-4f45-9708-019B960494DF}">
-                <a14:hiddenLine xmlns="" xmlns:a14="http://schemas.microsoft.com/office/drawing/2010/main" w="9525">
+                <a14:hiddenLine xmlns:a14="http://schemas.microsoft.com/office/drawing/2010/main" xmlns="" w="9525">
                   <a:solidFill>
                     <a:srgbClr val="000000"/>
                   </a:solidFill>
@@ -6578,7 +6578,7 @@
             </a:ln>
             <a:extLst>
               <a:ext uri="{91240B29-F687-4f45-9708-019B960494DF}">
-                <a14:hiddenLine xmlns="" xmlns:a14="http://schemas.microsoft.com/office/drawing/2010/main" w="9525">
+                <a14:hiddenLine xmlns:a14="http://schemas.microsoft.com/office/drawing/2010/main" xmlns="" w="9525">
                   <a:solidFill>
                     <a:srgbClr val="000000"/>
                   </a:solidFill>
@@ -6640,7 +6640,7 @@
             </a:ln>
             <a:extLst>
               <a:ext uri="{91240B29-F687-4f45-9708-019B960494DF}">
-                <a14:hiddenLine xmlns="" xmlns:a14="http://schemas.microsoft.com/office/drawing/2010/main" w="9525">
+                <a14:hiddenLine xmlns:a14="http://schemas.microsoft.com/office/drawing/2010/main" xmlns="" w="9525">
                   <a:solidFill>
                     <a:srgbClr val="000000"/>
                   </a:solidFill>
@@ -6702,7 +6702,7 @@
             </a:ln>
             <a:extLst>
               <a:ext uri="{91240B29-F687-4f45-9708-019B960494DF}">
-                <a14:hiddenLine xmlns="" xmlns:a14="http://schemas.microsoft.com/office/drawing/2010/main" w="9525">
+                <a14:hiddenLine xmlns:a14="http://schemas.microsoft.com/office/drawing/2010/main" xmlns="" w="9525">
                   <a:solidFill>
                     <a:srgbClr val="000000"/>
                   </a:solidFill>
@@ -6792,7 +6792,7 @@
             </a:ln>
             <a:extLst>
               <a:ext uri="{91240B29-F687-4f45-9708-019B960494DF}">
-                <a14:hiddenLine xmlns="" xmlns:a14="http://schemas.microsoft.com/office/drawing/2010/main" w="9525">
+                <a14:hiddenLine xmlns:a14="http://schemas.microsoft.com/office/drawing/2010/main" xmlns="" w="9525">
                   <a:solidFill>
                     <a:srgbClr val="000000"/>
                   </a:solidFill>
@@ -6860,7 +6860,7 @@
             </a:ln>
             <a:extLst>
               <a:ext uri="{91240B29-F687-4f45-9708-019B960494DF}">
-                <a14:hiddenLine xmlns="" xmlns:a14="http://schemas.microsoft.com/office/drawing/2010/main" w="9525">
+                <a14:hiddenLine xmlns:a14="http://schemas.microsoft.com/office/drawing/2010/main" xmlns="" w="9525">
                   <a:solidFill>
                     <a:srgbClr val="000000"/>
                   </a:solidFill>
@@ -6922,7 +6922,7 @@
             </a:ln>
             <a:extLst>
               <a:ext uri="{91240B29-F687-4f45-9708-019B960494DF}">
-                <a14:hiddenLine xmlns="" xmlns:a14="http://schemas.microsoft.com/office/drawing/2010/main" w="9525">
+                <a14:hiddenLine xmlns:a14="http://schemas.microsoft.com/office/drawing/2010/main" xmlns="" w="9525">
                   <a:solidFill>
                     <a:srgbClr val="000000"/>
                   </a:solidFill>
@@ -7012,7 +7012,7 @@
             </a:ln>
             <a:extLst>
               <a:ext uri="{91240B29-F687-4f45-9708-019B960494DF}">
-                <a14:hiddenLine xmlns="" xmlns:a14="http://schemas.microsoft.com/office/drawing/2010/main" w="9525">
+                <a14:hiddenLine xmlns:a14="http://schemas.microsoft.com/office/drawing/2010/main" xmlns="" w="9525">
                   <a:solidFill>
                     <a:srgbClr val="000000"/>
                   </a:solidFill>
@@ -7074,7 +7074,7 @@
             </a:ln>
             <a:extLst>
               <a:ext uri="{91240B29-F687-4f45-9708-019B960494DF}">
-                <a14:hiddenLine xmlns="" xmlns:a14="http://schemas.microsoft.com/office/drawing/2010/main" w="9525">
+                <a14:hiddenLine xmlns:a14="http://schemas.microsoft.com/office/drawing/2010/main" xmlns="" w="9525">
                   <a:solidFill>
                     <a:srgbClr val="000000"/>
                   </a:solidFill>
@@ -7164,7 +7164,7 @@
             </a:ln>
             <a:extLst>
               <a:ext uri="{91240B29-F687-4f45-9708-019B960494DF}">
-                <a14:hiddenLine xmlns="" xmlns:a14="http://schemas.microsoft.com/office/drawing/2010/main" w="9525">
+                <a14:hiddenLine xmlns:a14="http://schemas.microsoft.com/office/drawing/2010/main" xmlns="" w="9525">
                   <a:solidFill>
                     <a:srgbClr val="000000"/>
                   </a:solidFill>
@@ -7226,7 +7226,7 @@
             </a:ln>
             <a:extLst>
               <a:ext uri="{91240B29-F687-4f45-9708-019B960494DF}">
-                <a14:hiddenLine xmlns="" xmlns:a14="http://schemas.microsoft.com/office/drawing/2010/main" w="9525">
+                <a14:hiddenLine xmlns:a14="http://schemas.microsoft.com/office/drawing/2010/main" xmlns="" w="9525">
                   <a:solidFill>
                     <a:srgbClr val="000000"/>
                   </a:solidFill>
@@ -7316,7 +7316,7 @@
             </a:ln>
             <a:extLst>
               <a:ext uri="{91240B29-F687-4f45-9708-019B960494DF}">
-                <a14:hiddenLine xmlns="" xmlns:a14="http://schemas.microsoft.com/office/drawing/2010/main" w="9525">
+                <a14:hiddenLine xmlns:a14="http://schemas.microsoft.com/office/drawing/2010/main" xmlns="" w="9525">
                   <a:solidFill>
                     <a:srgbClr val="000000"/>
                   </a:solidFill>
@@ -7350,7 +7350,7 @@
             </a:ln>
             <a:extLst>
               <a:ext uri="{91240B29-F687-4f45-9708-019B960494DF}">
-                <a14:hiddenLine xmlns="" xmlns:a14="http://schemas.microsoft.com/office/drawing/2010/main" w="9525">
+                <a14:hiddenLine xmlns:a14="http://schemas.microsoft.com/office/drawing/2010/main" xmlns="" w="9525">
                   <a:solidFill>
                     <a:srgbClr val="000000"/>
                   </a:solidFill>
@@ -7415,7 +7415,7 @@
             </a:ln>
             <a:extLst>
               <a:ext uri="{91240B29-F687-4f45-9708-019B960494DF}">
-                <a14:hiddenLine xmlns="" xmlns:a14="http://schemas.microsoft.com/office/drawing/2010/main" w="9525">
+                <a14:hiddenLine xmlns:a14="http://schemas.microsoft.com/office/drawing/2010/main" xmlns="" w="9525">
                   <a:solidFill>
                     <a:srgbClr val="000000"/>
                   </a:solidFill>
@@ -7505,7 +7505,7 @@
             </a:ln>
             <a:extLst>
               <a:ext uri="{91240B29-F687-4f45-9708-019B960494DF}">
-                <a14:hiddenLine xmlns="" xmlns:a14="http://schemas.microsoft.com/office/drawing/2010/main" w="9525">
+                <a14:hiddenLine xmlns:a14="http://schemas.microsoft.com/office/drawing/2010/main" xmlns="" w="9525">
                   <a:solidFill>
                     <a:srgbClr val="000000"/>
                   </a:solidFill>
@@ -7567,7 +7567,7 @@
             </a:ln>
             <a:extLst>
               <a:ext uri="{91240B29-F687-4f45-9708-019B960494DF}">
-                <a14:hiddenLine xmlns="" xmlns:a14="http://schemas.microsoft.com/office/drawing/2010/main" w="9525">
+                <a14:hiddenLine xmlns:a14="http://schemas.microsoft.com/office/drawing/2010/main" xmlns="" w="9525">
                   <a:solidFill>
                     <a:srgbClr val="000000"/>
                   </a:solidFill>
@@ -7657,7 +7657,7 @@
             </a:ln>
             <a:extLst>
               <a:ext uri="{91240B29-F687-4f45-9708-019B960494DF}">
-                <a14:hiddenLine xmlns="" xmlns:a14="http://schemas.microsoft.com/office/drawing/2010/main" w="9525">
+                <a14:hiddenLine xmlns:a14="http://schemas.microsoft.com/office/drawing/2010/main" xmlns="" w="9525">
                   <a:solidFill>
                     <a:srgbClr val="000000"/>
                   </a:solidFill>
@@ -7747,7 +7747,7 @@
             </a:ln>
             <a:extLst>
               <a:ext uri="{91240B29-F687-4f45-9708-019B960494DF}">
-                <a14:hiddenLine xmlns="" xmlns:a14="http://schemas.microsoft.com/office/drawing/2010/main" w="9525">
+                <a14:hiddenLine xmlns:a14="http://schemas.microsoft.com/office/drawing/2010/main" xmlns="" w="9525">
                   <a:solidFill>
                     <a:srgbClr val="000000"/>
                   </a:solidFill>
@@ -7812,7 +7812,7 @@
             </a:ln>
             <a:extLst>
               <a:ext uri="{91240B29-F687-4f45-9708-019B960494DF}">
-                <a14:hiddenLine xmlns="" xmlns:a14="http://schemas.microsoft.com/office/drawing/2010/main" w="9525">
+                <a14:hiddenLine xmlns:a14="http://schemas.microsoft.com/office/drawing/2010/main" xmlns="" w="9525">
                   <a:solidFill>
                     <a:srgbClr val="000000"/>
                   </a:solidFill>
@@ -7874,7 +7874,7 @@
             </a:ln>
             <a:extLst>
               <a:ext uri="{91240B29-F687-4f45-9708-019B960494DF}">
-                <a14:hiddenLine xmlns="" xmlns:a14="http://schemas.microsoft.com/office/drawing/2010/main" w="9525">
+                <a14:hiddenLine xmlns:a14="http://schemas.microsoft.com/office/drawing/2010/main" xmlns="" w="9525">
                   <a:solidFill>
                     <a:srgbClr val="000000"/>
                   </a:solidFill>
@@ -7964,7 +7964,7 @@
             </a:ln>
             <a:extLst>
               <a:ext uri="{91240B29-F687-4f45-9708-019B960494DF}">
-                <a14:hiddenLine xmlns="" xmlns:a14="http://schemas.microsoft.com/office/drawing/2010/main" w="9525">
+                <a14:hiddenLine xmlns:a14="http://schemas.microsoft.com/office/drawing/2010/main" xmlns="" w="9525">
                   <a:solidFill>
                     <a:srgbClr val="000000"/>
                   </a:solidFill>
@@ -8054,7 +8054,7 @@
             </a:ln>
             <a:extLst>
               <a:ext uri="{91240B29-F687-4f45-9708-019B960494DF}">
-                <a14:hiddenLine xmlns="" xmlns:a14="http://schemas.microsoft.com/office/drawing/2010/main" w="9525">
+                <a14:hiddenLine xmlns:a14="http://schemas.microsoft.com/office/drawing/2010/main" xmlns="" w="9525">
                   <a:solidFill>
                     <a:srgbClr val="000000"/>
                   </a:solidFill>
@@ -8116,7 +8116,7 @@
             </a:ln>
             <a:extLst>
               <a:ext uri="{91240B29-F687-4f45-9708-019B960494DF}">
-                <a14:hiddenLine xmlns="" xmlns:a14="http://schemas.microsoft.com/office/drawing/2010/main" w="9525">
+                <a14:hiddenLine xmlns:a14="http://schemas.microsoft.com/office/drawing/2010/main" xmlns="" w="9525">
                   <a:solidFill>
                     <a:srgbClr val="000000"/>
                   </a:solidFill>
@@ -8236,7 +8236,7 @@
             </a:ln>
             <a:extLst>
               <a:ext uri="{91240B29-F687-4f45-9708-019B960494DF}">
-                <a14:hiddenLine xmlns="" xmlns:a14="http://schemas.microsoft.com/office/drawing/2010/main" w="9525">
+                <a14:hiddenLine xmlns:a14="http://schemas.microsoft.com/office/drawing/2010/main" xmlns="" w="9525">
                   <a:solidFill>
                     <a:srgbClr val="000000"/>
                   </a:solidFill>
@@ -8304,7 +8304,7 @@
             </a:ln>
             <a:extLst>
               <a:ext uri="{91240B29-F687-4f45-9708-019B960494DF}">
-                <a14:hiddenLine xmlns="" xmlns:a14="http://schemas.microsoft.com/office/drawing/2010/main" w="9525">
+                <a14:hiddenLine xmlns:a14="http://schemas.microsoft.com/office/drawing/2010/main" xmlns="" w="9525">
                   <a:solidFill>
                     <a:srgbClr val="000000"/>
                   </a:solidFill>
@@ -8394,7 +8394,7 @@
             </a:ln>
             <a:extLst>
               <a:ext uri="{91240B29-F687-4f45-9708-019B960494DF}">
-                <a14:hiddenLine xmlns="" xmlns:a14="http://schemas.microsoft.com/office/drawing/2010/main" w="9525">
+                <a14:hiddenLine xmlns:a14="http://schemas.microsoft.com/office/drawing/2010/main" xmlns="" w="9525">
                   <a:solidFill>
                     <a:srgbClr val="000000"/>
                   </a:solidFill>
@@ -8534,7 +8534,7 @@
           <a:p>
             <a:fld id="{48A87A34-81AB-432B-8DAE-1953F412C126}" type="datetimeFigureOut">
               <a:rPr lang="en-US" dirty="0"/>
-              <a:t>7/7/2019</a:t>
+              <a:t>7/9/2019</a:t>
             </a:fld>
             <a:endParaRPr lang="en-US" dirty="0"/>
           </a:p>
@@ -8796,7 +8796,7 @@
           <a:p>
             <a:fld id="{48A87A34-81AB-432B-8DAE-1953F412C126}" type="datetimeFigureOut">
               <a:rPr lang="en-US" dirty="0"/>
-              <a:t>7/7/2019</a:t>
+              <a:t>7/9/2019</a:t>
             </a:fld>
             <a:endParaRPr lang="en-US" dirty="0"/>
           </a:p>
@@ -8987,7 +8987,7 @@
           <a:p>
             <a:fld id="{48A87A34-81AB-432B-8DAE-1953F412C126}" type="datetimeFigureOut">
               <a:rPr lang="en-US" dirty="0"/>
-              <a:t>7/7/2019</a:t>
+              <a:t>7/9/2019</a:t>
             </a:fld>
             <a:endParaRPr lang="en-US" dirty="0"/>
           </a:p>
@@ -9245,7 +9245,7 @@
           <a:p>
             <a:fld id="{48A87A34-81AB-432B-8DAE-1953F412C126}" type="datetimeFigureOut">
               <a:rPr lang="en-US" dirty="0"/>
-              <a:t>7/7/2019</a:t>
+              <a:t>7/9/2019</a:t>
             </a:fld>
             <a:endParaRPr lang="en-US" dirty="0"/>
           </a:p>
@@ -9674,7 +9674,7 @@
           <a:p>
             <a:fld id="{48A87A34-81AB-432B-8DAE-1953F412C126}" type="datetimeFigureOut">
               <a:rPr lang="en-US" dirty="0"/>
-              <a:t>7/7/2019</a:t>
+              <a:t>7/9/2019</a:t>
             </a:fld>
             <a:endParaRPr lang="en-US" dirty="0"/>
           </a:p>
@@ -10215,7 +10215,7 @@
           <a:p>
             <a:fld id="{48A87A34-81AB-432B-8DAE-1953F412C126}" type="datetimeFigureOut">
               <a:rPr lang="en-US" dirty="0"/>
-              <a:t>7/7/2019</a:t>
+              <a:t>7/9/2019</a:t>
             </a:fld>
             <a:endParaRPr lang="en-US" dirty="0"/>
           </a:p>
@@ -10930,7 +10930,7 @@
           <a:p>
             <a:fld id="{48A87A34-81AB-432B-8DAE-1953F412C126}" type="datetimeFigureOut">
               <a:rPr lang="en-US" dirty="0"/>
-              <a:t>7/7/2019</a:t>
+              <a:t>7/9/2019</a:t>
             </a:fld>
             <a:endParaRPr lang="en-US" dirty="0"/>
           </a:p>
@@ -11095,7 +11095,7 @@
           <a:p>
             <a:fld id="{48A87A34-81AB-432B-8DAE-1953F412C126}" type="datetimeFigureOut">
               <a:rPr lang="en-US" dirty="0"/>
-              <a:t>7/7/2019</a:t>
+              <a:t>7/9/2019</a:t>
             </a:fld>
             <a:endParaRPr lang="en-US" dirty="0"/>
           </a:p>
@@ -11270,7 +11270,7 @@
           <a:p>
             <a:fld id="{48A87A34-81AB-432B-8DAE-1953F412C126}" type="datetimeFigureOut">
               <a:rPr lang="en-US" dirty="0"/>
-              <a:t>7/7/2019</a:t>
+              <a:t>7/9/2019</a:t>
             </a:fld>
             <a:endParaRPr lang="en-US" dirty="0"/>
           </a:p>
@@ -11435,7 +11435,7 @@
           <a:p>
             <a:fld id="{48A87A34-81AB-432B-8DAE-1953F412C126}" type="datetimeFigureOut">
               <a:rPr lang="en-US" dirty="0"/>
-              <a:t>7/7/2019</a:t>
+              <a:t>7/9/2019</a:t>
             </a:fld>
             <a:endParaRPr lang="en-US" dirty="0"/>
           </a:p>
@@ -11680,7 +11680,7 @@
           <a:p>
             <a:fld id="{48A87A34-81AB-432B-8DAE-1953F412C126}" type="datetimeFigureOut">
               <a:rPr lang="en-US" dirty="0"/>
-              <a:t>7/7/2019</a:t>
+              <a:t>7/9/2019</a:t>
             </a:fld>
             <a:endParaRPr lang="en-US" dirty="0"/>
           </a:p>
@@ -11907,7 +11907,7 @@
           <a:p>
             <a:fld id="{48A87A34-81AB-432B-8DAE-1953F412C126}" type="datetimeFigureOut">
               <a:rPr lang="en-US" dirty="0"/>
-              <a:t>7/7/2019</a:t>
+              <a:t>7/9/2019</a:t>
             </a:fld>
             <a:endParaRPr lang="en-US" dirty="0"/>
           </a:p>
@@ -12283,7 +12283,7 @@
           <a:p>
             <a:fld id="{48A87A34-81AB-432B-8DAE-1953F412C126}" type="datetimeFigureOut">
               <a:rPr lang="en-US" dirty="0"/>
-              <a:t>7/7/2019</a:t>
+              <a:t>7/9/2019</a:t>
             </a:fld>
             <a:endParaRPr lang="en-US" dirty="0"/>
           </a:p>
@@ -12396,7 +12396,7 @@
           <a:p>
             <a:fld id="{48A87A34-81AB-432B-8DAE-1953F412C126}" type="datetimeFigureOut">
               <a:rPr lang="en-US" dirty="0"/>
-              <a:t>7/7/2019</a:t>
+              <a:t>7/9/2019</a:t>
             </a:fld>
             <a:endParaRPr lang="en-US" dirty="0"/>
           </a:p>
@@ -12486,7 +12486,7 @@
           <a:p>
             <a:fld id="{48A87A34-81AB-432B-8DAE-1953F412C126}" type="datetimeFigureOut">
               <a:rPr lang="en-US" dirty="0"/>
-              <a:t>7/7/2019</a:t>
+              <a:t>7/9/2019</a:t>
             </a:fld>
             <a:endParaRPr lang="en-US" dirty="0"/>
           </a:p>
@@ -12730,7 +12730,7 @@
           <a:p>
             <a:fld id="{48A87A34-81AB-432B-8DAE-1953F412C126}" type="datetimeFigureOut">
               <a:rPr lang="en-US" dirty="0"/>
-              <a:t>7/7/2019</a:t>
+              <a:t>7/9/2019</a:t>
             </a:fld>
             <a:endParaRPr lang="en-US" dirty="0"/>
           </a:p>
@@ -13005,7 +13005,7 @@
           <a:p>
             <a:fld id="{48A87A34-81AB-432B-8DAE-1953F412C126}" type="datetimeFigureOut">
               <a:rPr lang="en-US" dirty="0"/>
-              <a:t>7/7/2019</a:t>
+              <a:t>7/9/2019</a:t>
             </a:fld>
             <a:endParaRPr lang="en-US" dirty="0"/>
           </a:p>
@@ -13116,7 +13116,7 @@
           <a:noFill/>
           <a:extLst>
             <a:ext uri="{909E8E84-426E-40dd-AFC4-6F175D3DCCD1}">
-              <a14:hiddenFill xmlns="" xmlns:a14="http://schemas.microsoft.com/office/drawing/2010/main">
+              <a14:hiddenFill xmlns:a14="http://schemas.microsoft.com/office/drawing/2010/main" xmlns="">
                 <a:solidFill>
                   <a:srgbClr val="FFFFFF"/>
                 </a:solidFill>
@@ -13190,7 +13190,7 @@
               </a:ln>
               <a:extLst>
                 <a:ext uri="{91240B29-F687-4f45-9708-019B960494DF}">
-                  <a14:hiddenLine xmlns="" xmlns:a14="http://schemas.microsoft.com/office/drawing/2010/main" w="9525">
+                  <a14:hiddenLine xmlns:a14="http://schemas.microsoft.com/office/drawing/2010/main" xmlns="" w="9525">
                     <a:solidFill>
                       <a:srgbClr val="000000"/>
                     </a:solidFill>
@@ -13280,7 +13280,7 @@
               </a:ln>
               <a:extLst>
                 <a:ext uri="{91240B29-F687-4f45-9708-019B960494DF}">
-                  <a14:hiddenLine xmlns="" xmlns:a14="http://schemas.microsoft.com/office/drawing/2010/main" w="9525">
+                  <a14:hiddenLine xmlns:a14="http://schemas.microsoft.com/office/drawing/2010/main" xmlns="" w="9525">
                     <a:solidFill>
                       <a:srgbClr val="000000"/>
                     </a:solidFill>
@@ -13370,7 +13370,7 @@
               </a:ln>
               <a:extLst>
                 <a:ext uri="{91240B29-F687-4f45-9708-019B960494DF}">
-                  <a14:hiddenLine xmlns="" xmlns:a14="http://schemas.microsoft.com/office/drawing/2010/main" w="9525">
+                  <a14:hiddenLine xmlns:a14="http://schemas.microsoft.com/office/drawing/2010/main" xmlns="" w="9525">
                     <a:solidFill>
                       <a:srgbClr val="000000"/>
                     </a:solidFill>
@@ -13432,7 +13432,7 @@
               </a:ln>
               <a:extLst>
                 <a:ext uri="{91240B29-F687-4f45-9708-019B960494DF}">
-                  <a14:hiddenLine xmlns="" xmlns:a14="http://schemas.microsoft.com/office/drawing/2010/main" w="9525">
+                  <a14:hiddenLine xmlns:a14="http://schemas.microsoft.com/office/drawing/2010/main" xmlns="" w="9525">
                     <a:solidFill>
                       <a:srgbClr val="000000"/>
                     </a:solidFill>
@@ -13522,7 +13522,7 @@
               </a:ln>
               <a:extLst>
                 <a:ext uri="{91240B29-F687-4f45-9708-019B960494DF}">
-                  <a14:hiddenLine xmlns="" xmlns:a14="http://schemas.microsoft.com/office/drawing/2010/main" w="9525">
+                  <a14:hiddenLine xmlns:a14="http://schemas.microsoft.com/office/drawing/2010/main" xmlns="" w="9525">
                     <a:solidFill>
                       <a:srgbClr val="000000"/>
                     </a:solidFill>
@@ -13584,7 +13584,7 @@
               </a:ln>
               <a:extLst>
                 <a:ext uri="{91240B29-F687-4f45-9708-019B960494DF}">
-                  <a14:hiddenLine xmlns="" xmlns:a14="http://schemas.microsoft.com/office/drawing/2010/main" w="9525">
+                  <a14:hiddenLine xmlns:a14="http://schemas.microsoft.com/office/drawing/2010/main" xmlns="" w="9525">
                     <a:solidFill>
                       <a:srgbClr val="000000"/>
                     </a:solidFill>
@@ -13646,7 +13646,7 @@
               </a:ln>
               <a:extLst>
                 <a:ext uri="{91240B29-F687-4f45-9708-019B960494DF}">
-                  <a14:hiddenLine xmlns="" xmlns:a14="http://schemas.microsoft.com/office/drawing/2010/main" w="9525">
+                  <a14:hiddenLine xmlns:a14="http://schemas.microsoft.com/office/drawing/2010/main" xmlns="" w="9525">
                     <a:solidFill>
                       <a:srgbClr val="000000"/>
                     </a:solidFill>
@@ -13736,7 +13736,7 @@
               </a:ln>
               <a:extLst>
                 <a:ext uri="{91240B29-F687-4f45-9708-019B960494DF}">
-                  <a14:hiddenLine xmlns="" xmlns:a14="http://schemas.microsoft.com/office/drawing/2010/main" w="9525">
+                  <a14:hiddenLine xmlns:a14="http://schemas.microsoft.com/office/drawing/2010/main" xmlns="" w="9525">
                     <a:solidFill>
                       <a:srgbClr val="000000"/>
                     </a:solidFill>
@@ -13826,7 +13826,7 @@
               </a:ln>
               <a:extLst>
                 <a:ext uri="{91240B29-F687-4f45-9708-019B960494DF}">
-                  <a14:hiddenLine xmlns="" xmlns:a14="http://schemas.microsoft.com/office/drawing/2010/main" w="9525">
+                  <a14:hiddenLine xmlns:a14="http://schemas.microsoft.com/office/drawing/2010/main" xmlns="" w="9525">
                     <a:solidFill>
                       <a:srgbClr val="000000"/>
                     </a:solidFill>
@@ -13888,7 +13888,7 @@
               </a:ln>
               <a:extLst>
                 <a:ext uri="{91240B29-F687-4f45-9708-019B960494DF}">
-                  <a14:hiddenLine xmlns="" xmlns:a14="http://schemas.microsoft.com/office/drawing/2010/main" w="9525">
+                  <a14:hiddenLine xmlns:a14="http://schemas.microsoft.com/office/drawing/2010/main" xmlns="" w="9525">
                     <a:solidFill>
                       <a:srgbClr val="000000"/>
                     </a:solidFill>
@@ -13998,7 +13998,7 @@
               </a:ln>
               <a:extLst>
                 <a:ext uri="{91240B29-F687-4f45-9708-019B960494DF}">
-                  <a14:hiddenLine xmlns="" xmlns:a14="http://schemas.microsoft.com/office/drawing/2010/main" w="9525">
+                  <a14:hiddenLine xmlns:a14="http://schemas.microsoft.com/office/drawing/2010/main" xmlns="" w="9525">
                     <a:solidFill>
                       <a:srgbClr val="000000"/>
                     </a:solidFill>
@@ -14082,7 +14082,7 @@
               </a:ln>
               <a:extLst>
                 <a:ext uri="{91240B29-F687-4f45-9708-019B960494DF}">
-                  <a14:hiddenLine xmlns="" xmlns:a14="http://schemas.microsoft.com/office/drawing/2010/main" w="9525">
+                  <a14:hiddenLine xmlns:a14="http://schemas.microsoft.com/office/drawing/2010/main" xmlns="" w="9525">
                     <a:solidFill>
                       <a:srgbClr val="000000"/>
                     </a:solidFill>
@@ -14144,7 +14144,7 @@
               </a:ln>
               <a:extLst>
                 <a:ext uri="{91240B29-F687-4f45-9708-019B960494DF}">
-                  <a14:hiddenLine xmlns="" xmlns:a14="http://schemas.microsoft.com/office/drawing/2010/main" w="9525">
+                  <a14:hiddenLine xmlns:a14="http://schemas.microsoft.com/office/drawing/2010/main" xmlns="" w="9525">
                     <a:solidFill>
                       <a:srgbClr val="000000"/>
                     </a:solidFill>
@@ -14206,7 +14206,7 @@
               </a:ln>
               <a:extLst>
                 <a:ext uri="{91240B29-F687-4f45-9708-019B960494DF}">
-                  <a14:hiddenLine xmlns="" xmlns:a14="http://schemas.microsoft.com/office/drawing/2010/main" w="9525">
+                  <a14:hiddenLine xmlns:a14="http://schemas.microsoft.com/office/drawing/2010/main" xmlns="" w="9525">
                     <a:solidFill>
                       <a:srgbClr val="000000"/>
                     </a:solidFill>
@@ -14296,7 +14296,7 @@
               </a:ln>
               <a:extLst>
                 <a:ext uri="{91240B29-F687-4f45-9708-019B960494DF}">
-                  <a14:hiddenLine xmlns="" xmlns:a14="http://schemas.microsoft.com/office/drawing/2010/main" w="9525">
+                  <a14:hiddenLine xmlns:a14="http://schemas.microsoft.com/office/drawing/2010/main" xmlns="" w="9525">
                     <a:solidFill>
                       <a:srgbClr val="000000"/>
                     </a:solidFill>
@@ -14330,7 +14330,7 @@
               </a:ln>
               <a:extLst>
                 <a:ext uri="{91240B29-F687-4f45-9708-019B960494DF}">
-                  <a14:hiddenLine xmlns="" xmlns:a14="http://schemas.microsoft.com/office/drawing/2010/main" w="9525">
+                  <a14:hiddenLine xmlns:a14="http://schemas.microsoft.com/office/drawing/2010/main" xmlns="" w="9525">
                     <a:solidFill>
                       <a:srgbClr val="000000"/>
                     </a:solidFill>
@@ -14395,7 +14395,7 @@
               </a:ln>
               <a:extLst>
                 <a:ext uri="{91240B29-F687-4f45-9708-019B960494DF}">
-                  <a14:hiddenLine xmlns="" xmlns:a14="http://schemas.microsoft.com/office/drawing/2010/main" w="9525">
+                  <a14:hiddenLine xmlns:a14="http://schemas.microsoft.com/office/drawing/2010/main" xmlns="" w="9525">
                     <a:solidFill>
                       <a:srgbClr val="000000"/>
                     </a:solidFill>
@@ -14485,7 +14485,7 @@
               </a:ln>
               <a:extLst>
                 <a:ext uri="{91240B29-F687-4f45-9708-019B960494DF}">
-                  <a14:hiddenLine xmlns="" xmlns:a14="http://schemas.microsoft.com/office/drawing/2010/main" w="9525">
+                  <a14:hiddenLine xmlns:a14="http://schemas.microsoft.com/office/drawing/2010/main" xmlns="" w="9525">
                     <a:solidFill>
                       <a:srgbClr val="000000"/>
                     </a:solidFill>
@@ -14547,7 +14547,7 @@
               </a:ln>
               <a:extLst>
                 <a:ext uri="{91240B29-F687-4f45-9708-019B960494DF}">
-                  <a14:hiddenLine xmlns="" xmlns:a14="http://schemas.microsoft.com/office/drawing/2010/main" w="9525">
+                  <a14:hiddenLine xmlns:a14="http://schemas.microsoft.com/office/drawing/2010/main" xmlns="" w="9525">
                     <a:solidFill>
                       <a:srgbClr val="000000"/>
                     </a:solidFill>
@@ -14637,7 +14637,7 @@
               </a:ln>
               <a:extLst>
                 <a:ext uri="{91240B29-F687-4f45-9708-019B960494DF}">
-                  <a14:hiddenLine xmlns="" xmlns:a14="http://schemas.microsoft.com/office/drawing/2010/main" w="9525">
+                  <a14:hiddenLine xmlns:a14="http://schemas.microsoft.com/office/drawing/2010/main" xmlns="" w="9525">
                     <a:solidFill>
                       <a:srgbClr val="000000"/>
                     </a:solidFill>
@@ -14702,7 +14702,7 @@
               </a:ln>
               <a:extLst>
                 <a:ext uri="{91240B29-F687-4f45-9708-019B960494DF}">
-                  <a14:hiddenLine xmlns="" xmlns:a14="http://schemas.microsoft.com/office/drawing/2010/main" w="9525">
+                  <a14:hiddenLine xmlns:a14="http://schemas.microsoft.com/office/drawing/2010/main" xmlns="" w="9525">
                     <a:solidFill>
                       <a:srgbClr val="000000"/>
                     </a:solidFill>
@@ -14764,7 +14764,7 @@
               </a:ln>
               <a:extLst>
                 <a:ext uri="{91240B29-F687-4f45-9708-019B960494DF}">
-                  <a14:hiddenLine xmlns="" xmlns:a14="http://schemas.microsoft.com/office/drawing/2010/main" w="9525">
+                  <a14:hiddenLine xmlns:a14="http://schemas.microsoft.com/office/drawing/2010/main" xmlns="" w="9525">
                     <a:solidFill>
                       <a:srgbClr val="000000"/>
                     </a:solidFill>
@@ -14854,7 +14854,7 @@
               </a:ln>
               <a:extLst>
                 <a:ext uri="{91240B29-F687-4f45-9708-019B960494DF}">
-                  <a14:hiddenLine xmlns="" xmlns:a14="http://schemas.microsoft.com/office/drawing/2010/main" w="9525">
+                  <a14:hiddenLine xmlns:a14="http://schemas.microsoft.com/office/drawing/2010/main" xmlns="" w="9525">
                     <a:solidFill>
                       <a:srgbClr val="000000"/>
                     </a:solidFill>
@@ -14944,7 +14944,7 @@
               </a:ln>
               <a:extLst>
                 <a:ext uri="{91240B29-F687-4f45-9708-019B960494DF}">
-                  <a14:hiddenLine xmlns="" xmlns:a14="http://schemas.microsoft.com/office/drawing/2010/main" w="9525">
+                  <a14:hiddenLine xmlns:a14="http://schemas.microsoft.com/office/drawing/2010/main" xmlns="" w="9525">
                     <a:solidFill>
                       <a:srgbClr val="000000"/>
                     </a:solidFill>
@@ -15009,7 +15009,7 @@
               </a:ln>
               <a:extLst>
                 <a:ext uri="{91240B29-F687-4f45-9708-019B960494DF}">
-                  <a14:hiddenLine xmlns="" xmlns:a14="http://schemas.microsoft.com/office/drawing/2010/main" w="9525">
+                  <a14:hiddenLine xmlns:a14="http://schemas.microsoft.com/office/drawing/2010/main" xmlns="" w="9525">
                     <a:solidFill>
                       <a:srgbClr val="000000"/>
                     </a:solidFill>
@@ -15129,7 +15129,7 @@
               </a:ln>
               <a:extLst>
                 <a:ext uri="{91240B29-F687-4f45-9708-019B960494DF}">
-                  <a14:hiddenLine xmlns="" xmlns:a14="http://schemas.microsoft.com/office/drawing/2010/main" w="9525">
+                  <a14:hiddenLine xmlns:a14="http://schemas.microsoft.com/office/drawing/2010/main" xmlns="" w="9525">
                     <a:solidFill>
                       <a:srgbClr val="000000"/>
                     </a:solidFill>
@@ -15227,7 +15227,7 @@
               </a:ln>
               <a:extLst>
                 <a:ext uri="{91240B29-F687-4f45-9708-019B960494DF}">
-                  <a14:hiddenLine xmlns="" xmlns:a14="http://schemas.microsoft.com/office/drawing/2010/main" w="9525">
+                  <a14:hiddenLine xmlns:a14="http://schemas.microsoft.com/office/drawing/2010/main" xmlns="" w="9525">
                     <a:solidFill>
                       <a:srgbClr val="000000"/>
                     </a:solidFill>
@@ -15342,7 +15342,7 @@
               </a:ln>
               <a:extLst>
                 <a:ext uri="{91240B29-F687-4f45-9708-019B960494DF}">
-                  <a14:hiddenLine xmlns="" xmlns:a14="http://schemas.microsoft.com/office/drawing/2010/main" w="9525">
+                  <a14:hiddenLine xmlns:a14="http://schemas.microsoft.com/office/drawing/2010/main" xmlns="" w="9525">
                     <a:solidFill>
                       <a:srgbClr val="000000"/>
                     </a:solidFill>
@@ -15432,7 +15432,7 @@
               </a:ln>
               <a:extLst>
                 <a:ext uri="{91240B29-F687-4f45-9708-019B960494DF}">
-                  <a14:hiddenLine xmlns="" xmlns:a14="http://schemas.microsoft.com/office/drawing/2010/main" w="9525">
+                  <a14:hiddenLine xmlns:a14="http://schemas.microsoft.com/office/drawing/2010/main" xmlns="" w="9525">
                     <a:solidFill>
                       <a:srgbClr val="000000"/>
                     </a:solidFill>
@@ -15497,7 +15497,7 @@
               </a:ln>
               <a:extLst>
                 <a:ext uri="{91240B29-F687-4f45-9708-019B960494DF}">
-                  <a14:hiddenLine xmlns="" xmlns:a14="http://schemas.microsoft.com/office/drawing/2010/main" w="9525">
+                  <a14:hiddenLine xmlns:a14="http://schemas.microsoft.com/office/drawing/2010/main" xmlns="" w="9525">
                     <a:solidFill>
                       <a:srgbClr val="000000"/>
                     </a:solidFill>
@@ -15587,7 +15587,7 @@
               </a:ln>
               <a:extLst>
                 <a:ext uri="{91240B29-F687-4f45-9708-019B960494DF}">
-                  <a14:hiddenLine xmlns="" xmlns:a14="http://schemas.microsoft.com/office/drawing/2010/main" w="9525">
+                  <a14:hiddenLine xmlns:a14="http://schemas.microsoft.com/office/drawing/2010/main" xmlns="" w="9525">
                     <a:solidFill>
                       <a:srgbClr val="000000"/>
                     </a:solidFill>
@@ -15655,7 +15655,7 @@
               </a:ln>
               <a:extLst>
                 <a:ext uri="{91240B29-F687-4f45-9708-019B960494DF}">
-                  <a14:hiddenLine xmlns="" xmlns:a14="http://schemas.microsoft.com/office/drawing/2010/main" w="9525">
+                  <a14:hiddenLine xmlns:a14="http://schemas.microsoft.com/office/drawing/2010/main" xmlns="" w="9525">
                     <a:solidFill>
                       <a:srgbClr val="000000"/>
                     </a:solidFill>
@@ -15745,7 +15745,7 @@
               </a:ln>
               <a:extLst>
                 <a:ext uri="{91240B29-F687-4f45-9708-019B960494DF}">
-                  <a14:hiddenLine xmlns="" xmlns:a14="http://schemas.microsoft.com/office/drawing/2010/main" w="9525">
+                  <a14:hiddenLine xmlns:a14="http://schemas.microsoft.com/office/drawing/2010/main" xmlns="" w="9525">
                     <a:solidFill>
                       <a:srgbClr val="000000"/>
                     </a:solidFill>
@@ -15813,7 +15813,7 @@
               </a:ln>
               <a:extLst>
                 <a:ext uri="{91240B29-F687-4f45-9708-019B960494DF}">
-                  <a14:hiddenLine xmlns="" xmlns:a14="http://schemas.microsoft.com/office/drawing/2010/main" w="9525">
+                  <a14:hiddenLine xmlns:a14="http://schemas.microsoft.com/office/drawing/2010/main" xmlns="" w="9525">
                     <a:solidFill>
                       <a:srgbClr val="000000"/>
                     </a:solidFill>
@@ -15903,7 +15903,7 @@
               </a:ln>
               <a:extLst>
                 <a:ext uri="{91240B29-F687-4f45-9708-019B960494DF}">
-                  <a14:hiddenLine xmlns="" xmlns:a14="http://schemas.microsoft.com/office/drawing/2010/main" w="9525">
+                  <a14:hiddenLine xmlns:a14="http://schemas.microsoft.com/office/drawing/2010/main" xmlns="" w="9525">
                     <a:solidFill>
                       <a:srgbClr val="000000"/>
                     </a:solidFill>
@@ -15937,7 +15937,7 @@
               </a:ln>
               <a:extLst>
                 <a:ext uri="{91240B29-F687-4f45-9708-019B960494DF}">
-                  <a14:hiddenLine xmlns="" xmlns:a14="http://schemas.microsoft.com/office/drawing/2010/main" w="9525">
+                  <a14:hiddenLine xmlns:a14="http://schemas.microsoft.com/office/drawing/2010/main" xmlns="" w="9525">
                     <a:solidFill>
                       <a:srgbClr val="000000"/>
                     </a:solidFill>
@@ -16078,7 +16078,7 @@
             <a:fld id="{48A87A34-81AB-432B-8DAE-1953F412C126}" type="datetimeFigureOut">
               <a:rPr lang="en-US" dirty="0"/>
               <a:pPr/>
-              <a:t>7/7/2019</a:t>
+              <a:t>7/9/2019</a:t>
             </a:fld>
             <a:endParaRPr lang="en-US" dirty="0"/>
           </a:p>
@@ -16504,11 +16504,21 @@
             <p:ph type="ctrTitle"/>
           </p:nvPr>
         </p:nvSpPr>
-        <p:spPr/>
+        <p:spPr>
+          <a:xfrm>
+            <a:off x="1876424" y="1122363"/>
+            <a:ext cx="8791575" cy="1453004"/>
+          </a:xfrm>
+        </p:spPr>
         <p:txBody>
-          <a:bodyPr/>
+          <a:bodyPr anchor="ctr"/>
           <a:lstStyle/>
           <a:p>
+            <a:pPr>
+              <a:lnSpc>
+                <a:spcPct val="0"/>
+              </a:lnSpc>
+            </a:pPr>
             <a:r>
               <a:rPr lang="en-US" dirty="0" smtClean="0"/>
               <a:t>Java Persistence API (JPA)</a:t>
@@ -16527,12 +16537,112 @@
             <p:ph type="subTitle" idx="1"/>
           </p:nvPr>
         </p:nvSpPr>
-        <p:spPr/>
+        <p:spPr>
+          <a:xfrm>
+            <a:off x="1876424" y="2575367"/>
+            <a:ext cx="8791575" cy="2682433"/>
+          </a:xfrm>
+        </p:spPr>
         <p:txBody>
           <a:bodyPr/>
           <a:lstStyle/>
           <a:p>
-            <a:endParaRPr lang="en-US" dirty="0"/>
+            <a:pPr marL="342900" indent="-342900">
+              <a:buFont typeface="Arial" panose="020B0604020202020204" pitchFamily="34" charset="0"/>
+              <a:buChar char="•"/>
+            </a:pPr>
+            <a:r>
+              <a:rPr lang="en-US" cap="none" dirty="0" smtClean="0">
+                <a:solidFill>
+                  <a:schemeClr val="tx1"/>
+                </a:solidFill>
+              </a:rPr>
+              <a:t>What is JPA?</a:t>
+            </a:r>
+            <a:endParaRPr lang="en-US" cap="none" dirty="0">
+              <a:solidFill>
+                <a:schemeClr val="tx1"/>
+              </a:solidFill>
+            </a:endParaRPr>
+          </a:p>
+          <a:p>
+            <a:pPr marL="342900" indent="-342900">
+              <a:buFont typeface="Arial" panose="020B0604020202020204" pitchFamily="34" charset="0"/>
+              <a:buChar char="•"/>
+            </a:pPr>
+            <a:r>
+              <a:rPr lang="en-US" cap="none" dirty="0">
+                <a:solidFill>
+                  <a:schemeClr val="tx1"/>
+                </a:solidFill>
+              </a:rPr>
+              <a:t>Session &amp; </a:t>
+            </a:r>
+            <a:r>
+              <a:rPr lang="en-US" cap="none" dirty="0" err="1">
+                <a:solidFill>
+                  <a:schemeClr val="tx1"/>
+                </a:solidFill>
+              </a:rPr>
+              <a:t>EntityManager</a:t>
+            </a:r>
+            <a:endParaRPr lang="en-US" cap="none" dirty="0">
+              <a:solidFill>
+                <a:schemeClr val="tx1"/>
+              </a:solidFill>
+            </a:endParaRPr>
+          </a:p>
+          <a:p>
+            <a:pPr marL="342900" indent="-342900">
+              <a:buFont typeface="Arial" panose="020B0604020202020204" pitchFamily="34" charset="0"/>
+              <a:buChar char="•"/>
+            </a:pPr>
+            <a:r>
+              <a:rPr lang="en-US" cap="none" dirty="0">
+                <a:solidFill>
+                  <a:schemeClr val="tx1"/>
+                </a:solidFill>
+              </a:rPr>
+              <a:t>Configuration the </a:t>
+            </a:r>
+            <a:r>
+              <a:rPr lang="en-US" cap="none" dirty="0">
+                <a:solidFill>
+                  <a:schemeClr val="tx1"/>
+                </a:solidFill>
+              </a:rPr>
+              <a:t>persistence.xml</a:t>
+            </a:r>
+          </a:p>
+          <a:p>
+            <a:pPr marL="342900" indent="-342900">
+              <a:buFont typeface="Arial" panose="020B0604020202020204" pitchFamily="34" charset="0"/>
+              <a:buChar char="•"/>
+            </a:pPr>
+            <a:r>
+              <a:rPr lang="en-US" cap="none" dirty="0">
+                <a:solidFill>
+                  <a:schemeClr val="tx1"/>
+                </a:solidFill>
+              </a:rPr>
+              <a:t>Mapping &amp; Association</a:t>
+            </a:r>
+            <a:endParaRPr lang="en-US" cap="none" dirty="0">
+              <a:solidFill>
+                <a:schemeClr val="tx1"/>
+              </a:solidFill>
+            </a:endParaRPr>
+          </a:p>
+          <a:p>
+            <a:pPr marL="342900" indent="-342900">
+              <a:buFont typeface="Arial" panose="020B0604020202020204" pitchFamily="34" charset="0"/>
+              <a:buChar char="•"/>
+            </a:pPr>
+            <a:endParaRPr lang="en-US" dirty="0">
+              <a:solidFill>
+                <a:schemeClr val="tx1"/>
+              </a:solidFill>
+            </a:endParaRPr>
           </a:p>
         </p:txBody>
       </p:sp>
@@ -16678,8 +16788,13 @@
           <a:p>
             <a:r>
               <a:rPr lang="en-US" dirty="0" smtClean="0"/>
-              <a:t>Persistence management interface of Java EE 5.0 platform</a:t>
+              <a:t>Persistence management interface of Java EE 5.0 </a:t>
             </a:r>
+            <a:r>
+              <a:rPr lang="en-US" dirty="0" smtClean="0"/>
+              <a:t>platform (May 2006)</a:t>
+            </a:r>
+            <a:endParaRPr lang="en-US" dirty="0" smtClean="0"/>
           </a:p>
           <a:p>
             <a:endParaRPr lang="en-US" dirty="0"/>
@@ -16921,8 +17036,21 @@
             <a:pPr lvl="1"/>
             <a:r>
               <a:rPr lang="en-US" dirty="0" smtClean="0"/>
-              <a:t>Gateway to persistent entity,</a:t>
+              <a:t>Gateway to persistent entity</a:t>
             </a:r>
+            <a:r>
+              <a:rPr lang="en-US" dirty="0" smtClean="0"/>
+              <a:t>, </a:t>
+            </a:r>
+            <a:r>
+              <a:rPr lang="en-US" dirty="0"/>
+              <a:t>describes the </a:t>
+            </a:r>
+            <a:r>
+              <a:rPr lang="en-US" dirty="0" smtClean="0"/>
+              <a:t>management relation data</a:t>
+            </a:r>
+            <a:endParaRPr lang="en-US" dirty="0" smtClean="0"/>
           </a:p>
           <a:p>
             <a:pPr lvl="1"/>
@@ -17087,6 +17215,16 @@
           <a:p>
             <a:pPr lvl="1"/>
             <a:r>
+              <a:rPr lang="en-US" dirty="0">
+                <a:latin typeface="Times New Roman" panose="02020603050405020304" pitchFamily="18" charset="0"/>
+                <a:cs typeface="Times New Roman" panose="02020603050405020304" pitchFamily="18" charset="0"/>
+              </a:rPr>
+              <a:t>Using JDBC vendor extensions</a:t>
+            </a:r>
+          </a:p>
+          <a:p>
+            <a:pPr lvl="1"/>
+            <a:r>
               <a:rPr lang="en-US" dirty="0" smtClean="0">
                 <a:latin typeface="Times New Roman" panose="02020603050405020304" pitchFamily="18" charset="0"/>
                 <a:cs typeface="Times New Roman" panose="02020603050405020304" pitchFamily="18" charset="0"/>
@@ -17104,23 +17242,6 @@
               <a:latin typeface="Times New Roman" panose="02020603050405020304" pitchFamily="18" charset="0"/>
               <a:cs typeface="Times New Roman" panose="02020603050405020304" pitchFamily="18" charset="0"/>
             </a:endParaRPr>
-          </a:p>
-          <a:p>
-            <a:pPr lvl="1"/>
-            <a:r>
-              <a:rPr lang="en-US" dirty="0" smtClean="0">
-                <a:latin typeface="Times New Roman" panose="02020603050405020304" pitchFamily="18" charset="0"/>
-                <a:cs typeface="Times New Roman" panose="02020603050405020304" pitchFamily="18" charset="0"/>
-              </a:rPr>
-              <a:t>Using </a:t>
-            </a:r>
-            <a:r>
-              <a:rPr lang="en-US" dirty="0">
-                <a:latin typeface="Times New Roman" panose="02020603050405020304" pitchFamily="18" charset="0"/>
-                <a:cs typeface="Times New Roman" panose="02020603050405020304" pitchFamily="18" charset="0"/>
-              </a:rPr>
-              <a:t>JDBC vendor extensions</a:t>
-            </a:r>
           </a:p>
         </p:txBody>
       </p:sp>
